--- a/cuhk-csc-1004/slides/CSC1004 Tutorial 7.pptx
+++ b/cuhk-csc-1004/slides/CSC1004 Tutorial 7.pptx
@@ -203,7 +203,7 @@
           <a:p>
             <a:fld id="{78F13B20-8BB8-B74B-ADB5-DA5707988F1E}" type="datetimeFigureOut">
               <a:rPr lang="zh-CN" altLang="en-US"/>
-              <a:t>2024/3/17</a:t>
+              <a:t>2025/4/1</a:t>
             </a:fld>
             <a:endParaRPr kumimoji="1" lang="zh-CN" altLang="en-US"/>
           </a:p>
@@ -1474,15 +1474,15 @@
               <a:t>CSC1004 Tutorial 7</a:t>
             </a:r>
             <a:br>
-              <a:rPr lang="en-US" altLang="zh-CN" sz="3600" dirty="0">
+              <a:rPr lang="en-US" altLang="zh-CN" sz="3600">
                 <a:latin typeface="Calibri" panose="020F0502020204030204"/>
               </a:rPr>
             </a:br>
             <a:r>
-              <a:rPr lang="en-US" altLang="zh-CN" sz="2400" dirty="0">
+              <a:rPr lang="en-US" altLang="zh-CN" sz="2400">
                 <a:latin typeface="Calibri" panose="020F0502020204030204"/>
               </a:rPr>
-              <a:t>Weilin Cai</a:t>
+              <a:t>Yan KE</a:t>
             </a:r>
             <a:endParaRPr lang="zh-CN" sz="3600" dirty="0">
               <a:latin typeface="Calibri" panose="020F0502020204030204"/>
